--- a/20190923_Lunes_Modelo_de_PL/Modelo de Programación Lineal.pptx
+++ b/20190923_Lunes_Modelo_de_PL/Modelo de Programación Lineal.pptx
@@ -246,7 +246,7 @@
           <a:p>
             <a:fld id="{8BC9CD21-ED4E-472F-ADAE-C62E99487320}" type="datetimeFigureOut">
               <a:rPr lang="es-MX" smtClean="0"/>
-              <a:t>23/09/2019</a:t>
+              <a:t>27/09/2019</a:t>
             </a:fld>
             <a:endParaRPr lang="es-MX"/>
           </a:p>
@@ -416,7 +416,7 @@
           <a:p>
             <a:fld id="{8BC9CD21-ED4E-472F-ADAE-C62E99487320}" type="datetimeFigureOut">
               <a:rPr lang="es-MX" smtClean="0"/>
-              <a:t>23/09/2019</a:t>
+              <a:t>27/09/2019</a:t>
             </a:fld>
             <a:endParaRPr lang="es-MX"/>
           </a:p>
@@ -596,7 +596,7 @@
           <a:p>
             <a:fld id="{8BC9CD21-ED4E-472F-ADAE-C62E99487320}" type="datetimeFigureOut">
               <a:rPr lang="es-MX" smtClean="0"/>
-              <a:t>23/09/2019</a:t>
+              <a:t>27/09/2019</a:t>
             </a:fld>
             <a:endParaRPr lang="es-MX"/>
           </a:p>
@@ -766,7 +766,7 @@
           <a:p>
             <a:fld id="{8BC9CD21-ED4E-472F-ADAE-C62E99487320}" type="datetimeFigureOut">
               <a:rPr lang="es-MX" smtClean="0"/>
-              <a:t>23/09/2019</a:t>
+              <a:t>27/09/2019</a:t>
             </a:fld>
             <a:endParaRPr lang="es-MX"/>
           </a:p>
@@ -1012,7 +1012,7 @@
           <a:p>
             <a:fld id="{8BC9CD21-ED4E-472F-ADAE-C62E99487320}" type="datetimeFigureOut">
               <a:rPr lang="es-MX" smtClean="0"/>
-              <a:t>23/09/2019</a:t>
+              <a:t>27/09/2019</a:t>
             </a:fld>
             <a:endParaRPr lang="es-MX"/>
           </a:p>
@@ -1244,7 +1244,7 @@
           <a:p>
             <a:fld id="{8BC9CD21-ED4E-472F-ADAE-C62E99487320}" type="datetimeFigureOut">
               <a:rPr lang="es-MX" smtClean="0"/>
-              <a:t>23/09/2019</a:t>
+              <a:t>27/09/2019</a:t>
             </a:fld>
             <a:endParaRPr lang="es-MX"/>
           </a:p>
@@ -1611,7 +1611,7 @@
           <a:p>
             <a:fld id="{8BC9CD21-ED4E-472F-ADAE-C62E99487320}" type="datetimeFigureOut">
               <a:rPr lang="es-MX" smtClean="0"/>
-              <a:t>23/09/2019</a:t>
+              <a:t>27/09/2019</a:t>
             </a:fld>
             <a:endParaRPr lang="es-MX"/>
           </a:p>
@@ -1729,7 +1729,7 @@
           <a:p>
             <a:fld id="{8BC9CD21-ED4E-472F-ADAE-C62E99487320}" type="datetimeFigureOut">
               <a:rPr lang="es-MX" smtClean="0"/>
-              <a:t>23/09/2019</a:t>
+              <a:t>27/09/2019</a:t>
             </a:fld>
             <a:endParaRPr lang="es-MX"/>
           </a:p>
@@ -1824,7 +1824,7 @@
           <a:p>
             <a:fld id="{8BC9CD21-ED4E-472F-ADAE-C62E99487320}" type="datetimeFigureOut">
               <a:rPr lang="es-MX" smtClean="0"/>
-              <a:t>23/09/2019</a:t>
+              <a:t>27/09/2019</a:t>
             </a:fld>
             <a:endParaRPr lang="es-MX"/>
           </a:p>
@@ -2101,7 +2101,7 @@
           <a:p>
             <a:fld id="{8BC9CD21-ED4E-472F-ADAE-C62E99487320}" type="datetimeFigureOut">
               <a:rPr lang="es-MX" smtClean="0"/>
-              <a:t>23/09/2019</a:t>
+              <a:t>27/09/2019</a:t>
             </a:fld>
             <a:endParaRPr lang="es-MX"/>
           </a:p>
@@ -2354,7 +2354,7 @@
           <a:p>
             <a:fld id="{8BC9CD21-ED4E-472F-ADAE-C62E99487320}" type="datetimeFigureOut">
               <a:rPr lang="es-MX" smtClean="0"/>
-              <a:t>23/09/2019</a:t>
+              <a:t>27/09/2019</a:t>
             </a:fld>
             <a:endParaRPr lang="es-MX"/>
           </a:p>
@@ -2567,7 +2567,7 @@
           <a:p>
             <a:fld id="{8BC9CD21-ED4E-472F-ADAE-C62E99487320}" type="datetimeFigureOut">
               <a:rPr lang="es-MX" smtClean="0"/>
-              <a:t>23/09/2019</a:t>
+              <a:t>27/09/2019</a:t>
             </a:fld>
             <a:endParaRPr lang="es-MX"/>
           </a:p>
@@ -3281,6 +3281,93 @@
           </a:p>
         </p:txBody>
       </p:sp>
+      <p:pic>
+        <p:nvPicPr>
+          <p:cNvPr id="5" name="Imagen 4" descr="%FontSize=36&#10;%TeXFontSize=36&#10;\documentclass{article}&#10;\pagestyle{empty}&#10;\begin{document}&#10;\[&#10;\mbox{\rm min}\,\,\,z=-x_{1}-3x_{2}&#10;\]&#10;\end{document}"/>
+          <p:cNvPicPr/>
+          <p:nvPr/>
+        </p:nvPicPr>
+        <p:blipFill>
+          <a:blip r:embed="rId2" cstate="print">
+            <a:lum/>
+            <a:extLst>
+              <a:ext uri="{28A0092B-C50C-407E-A947-70E740481C1C}">
+                <a14:useLocalDpi xmlns:a14="http://schemas.microsoft.com/office/drawing/2010/main" val="0"/>
+              </a:ext>
+            </a:extLst>
+          </a:blip>
+          <a:stretch>
+            <a:fillRect/>
+          </a:stretch>
+        </p:blipFill>
+        <p:spPr>
+          <a:xfrm>
+            <a:off x="980122" y="1690688"/>
+            <a:ext cx="3463925" cy="385445"/>
+          </a:xfrm>
+          <a:prstGeom prst="rect">
+            <a:avLst/>
+          </a:prstGeom>
+        </p:spPr>
+      </p:pic>
+      <p:pic>
+        <p:nvPicPr>
+          <p:cNvPr id="6" name="Imagen 5" descr="%FontSize=36&#10;%TeXFontSize=36&#10;\documentclass{article}&#10;\pagestyle{empty}&#10;\begin{document}&#10;s.a.&#10;\begin{eqnarray}&#10;2x_{1}+x_{2}+x_{3}&amp;=&amp;5\nonumber\\&#10;x_{1}+3x_{2}+x_{4}&amp;=&amp;9\nonumber&#10;\end{eqnarray}&#10;\end{document}"/>
+          <p:cNvPicPr/>
+          <p:nvPr/>
+        </p:nvPicPr>
+        <p:blipFill>
+          <a:blip r:embed="rId3" cstate="print">
+            <a:lum/>
+            <a:extLst>
+              <a:ext uri="{28A0092B-C50C-407E-A947-70E740481C1C}">
+                <a14:useLocalDpi xmlns:a14="http://schemas.microsoft.com/office/drawing/2010/main" val="0"/>
+              </a:ext>
+            </a:extLst>
+          </a:blip>
+          <a:stretch>
+            <a:fillRect/>
+          </a:stretch>
+        </p:blipFill>
+        <p:spPr>
+          <a:xfrm>
+            <a:off x="980122" y="2335848"/>
+            <a:ext cx="3558540" cy="1360805"/>
+          </a:xfrm>
+          <a:prstGeom prst="rect">
+            <a:avLst/>
+          </a:prstGeom>
+        </p:spPr>
+      </p:pic>
+      <p:pic>
+        <p:nvPicPr>
+          <p:cNvPr id="7" name="Imagen 6" descr="%FontSize=36&#10;%TeXFontSize=36&#10;\documentclass{article}&#10;\pagestyle{empty}&#10;\begin{document}&#10;\[&#10;x_{1}\geq 0,\,x_{2}\geq 0,\,x_{3}\geq 0,\,x_{4}\geq 0&#10;\]&#10;\end{document}"/>
+          <p:cNvPicPr/>
+          <p:nvPr/>
+        </p:nvPicPr>
+        <p:blipFill>
+          <a:blip r:embed="rId4" cstate="print">
+            <a:lum/>
+            <a:extLst>
+              <a:ext uri="{28A0092B-C50C-407E-A947-70E740481C1C}">
+                <a14:useLocalDpi xmlns:a14="http://schemas.microsoft.com/office/drawing/2010/main" val="0"/>
+              </a:ext>
+            </a:extLst>
+          </a:blip>
+          <a:stretch>
+            <a:fillRect/>
+          </a:stretch>
+        </p:blipFill>
+        <p:spPr>
+          <a:xfrm>
+            <a:off x="980122" y="3953193"/>
+            <a:ext cx="5495290" cy="388620"/>
+          </a:xfrm>
+          <a:prstGeom prst="rect">
+            <a:avLst/>
+          </a:prstGeom>
+        </p:spPr>
+      </p:pic>
     </p:spTree>
     <p:extLst>
       <p:ext uri="{BB962C8B-B14F-4D97-AF65-F5344CB8AC3E}">
